--- a/docs/diagrams/UiComponentClassDiagram.pptx
+++ b/docs/diagrams/UiComponentClassDiagram.pptx
@@ -208,7 +208,7 @@
           <a:p>
             <a:fld id="{F5CC4B3F-88C1-4FFA-B1B6-F41C21DC6924}" type="datetimeFigureOut">
               <a:rPr lang="en-US" smtClean="0"/>
-              <a:t>1/7/2017</a:t>
+              <a:t>4/10/2017</a:t>
             </a:fld>
             <a:endParaRPr lang="en-US"/>
           </a:p>
@@ -654,7 +654,7 @@
           <a:p>
             <a:fld id="{78C97017-6FC3-485B-9764-EAC9E56C1D49}" type="datetimeFigureOut">
               <a:rPr lang="en-US" smtClean="0"/>
-              <a:t>1/7/2017</a:t>
+              <a:t>4/10/2017</a:t>
             </a:fld>
             <a:endParaRPr lang="en-US"/>
           </a:p>
@@ -822,7 +822,7 @@
           <a:p>
             <a:fld id="{78C97017-6FC3-485B-9764-EAC9E56C1D49}" type="datetimeFigureOut">
               <a:rPr lang="en-US" smtClean="0"/>
-              <a:t>1/7/2017</a:t>
+              <a:t>4/10/2017</a:t>
             </a:fld>
             <a:endParaRPr lang="en-US"/>
           </a:p>
@@ -1000,7 +1000,7 @@
           <a:p>
             <a:fld id="{78C97017-6FC3-485B-9764-EAC9E56C1D49}" type="datetimeFigureOut">
               <a:rPr lang="en-US" smtClean="0"/>
-              <a:t>1/7/2017</a:t>
+              <a:t>4/10/2017</a:t>
             </a:fld>
             <a:endParaRPr lang="en-US"/>
           </a:p>
@@ -1168,7 +1168,7 @@
           <a:p>
             <a:fld id="{78C97017-6FC3-485B-9764-EAC9E56C1D49}" type="datetimeFigureOut">
               <a:rPr lang="en-US" smtClean="0"/>
-              <a:t>1/7/2017</a:t>
+              <a:t>4/10/2017</a:t>
             </a:fld>
             <a:endParaRPr lang="en-US"/>
           </a:p>
@@ -1413,7 +1413,7 @@
           <a:p>
             <a:fld id="{78C97017-6FC3-485B-9764-EAC9E56C1D49}" type="datetimeFigureOut">
               <a:rPr lang="en-US" smtClean="0"/>
-              <a:t>1/7/2017</a:t>
+              <a:t>4/10/2017</a:t>
             </a:fld>
             <a:endParaRPr lang="en-US"/>
           </a:p>
@@ -1698,7 +1698,7 @@
           <a:p>
             <a:fld id="{78C97017-6FC3-485B-9764-EAC9E56C1D49}" type="datetimeFigureOut">
               <a:rPr lang="en-US" smtClean="0"/>
-              <a:t>1/7/2017</a:t>
+              <a:t>4/10/2017</a:t>
             </a:fld>
             <a:endParaRPr lang="en-US"/>
           </a:p>
@@ -2117,7 +2117,7 @@
           <a:p>
             <a:fld id="{78C97017-6FC3-485B-9764-EAC9E56C1D49}" type="datetimeFigureOut">
               <a:rPr lang="en-US" smtClean="0"/>
-              <a:t>1/7/2017</a:t>
+              <a:t>4/10/2017</a:t>
             </a:fld>
             <a:endParaRPr lang="en-US"/>
           </a:p>
@@ -2234,7 +2234,7 @@
           <a:p>
             <a:fld id="{78C97017-6FC3-485B-9764-EAC9E56C1D49}" type="datetimeFigureOut">
               <a:rPr lang="en-US" smtClean="0"/>
-              <a:t>1/7/2017</a:t>
+              <a:t>4/10/2017</a:t>
             </a:fld>
             <a:endParaRPr lang="en-US"/>
           </a:p>
@@ -2329,7 +2329,7 @@
           <a:p>
             <a:fld id="{78C97017-6FC3-485B-9764-EAC9E56C1D49}" type="datetimeFigureOut">
               <a:rPr lang="en-US" smtClean="0"/>
-              <a:t>1/7/2017</a:t>
+              <a:t>4/10/2017</a:t>
             </a:fld>
             <a:endParaRPr lang="en-US"/>
           </a:p>
@@ -2604,7 +2604,7 @@
           <a:p>
             <a:fld id="{78C97017-6FC3-485B-9764-EAC9E56C1D49}" type="datetimeFigureOut">
               <a:rPr lang="en-US" smtClean="0"/>
-              <a:t>1/7/2017</a:t>
+              <a:t>4/10/2017</a:t>
             </a:fld>
             <a:endParaRPr lang="en-US"/>
           </a:p>
@@ -2856,7 +2856,7 @@
           <a:p>
             <a:fld id="{78C97017-6FC3-485B-9764-EAC9E56C1D49}" type="datetimeFigureOut">
               <a:rPr lang="en-US" smtClean="0"/>
-              <a:t>1/7/2017</a:t>
+              <a:t>4/10/2017</a:t>
             </a:fld>
             <a:endParaRPr lang="en-US"/>
           </a:p>
@@ -3067,7 +3067,7 @@
           <a:p>
             <a:fld id="{78C97017-6FC3-485B-9764-EAC9E56C1D49}" type="datetimeFigureOut">
               <a:rPr lang="en-US" smtClean="0"/>
-              <a:t>1/7/2017</a:t>
+              <a:t>4/10/2017</a:t>
             </a:fld>
             <a:endParaRPr lang="en-US"/>
           </a:p>
@@ -3451,7 +3451,7 @@
         <p:spPr>
           <a:xfrm>
             <a:off x="1217465" y="1447800"/>
-            <a:ext cx="4917083" cy="3962400"/>
+            <a:ext cx="5335735" cy="3962400"/>
           </a:xfrm>
           <a:prstGeom prst="roundRect">
             <a:avLst>
@@ -3572,7 +3572,7 @@
         </p:nvSpPr>
         <p:spPr>
           <a:xfrm>
-            <a:off x="2592528" y="2971800"/>
+            <a:off x="2589070" y="2821683"/>
             <a:ext cx="1093635" cy="236841"/>
           </a:xfrm>
           <a:prstGeom prst="rect">
@@ -3734,7 +3734,7 @@
         </p:nvSpPr>
         <p:spPr>
           <a:xfrm rot="10800000" flipV="1">
-            <a:off x="5394717" y="2110477"/>
+            <a:off x="5780738" y="2094794"/>
             <a:ext cx="270504" cy="175523"/>
           </a:xfrm>
           <a:prstGeom prst="triangle">
@@ -3879,13 +3879,13 @@
       </p:sp>
       <p:sp>
         <p:nvSpPr>
-          <p:cNvPr id="34" name="Rectangle 11"/>
+          <p:cNvPr id="35" name="Rectangle 11"/>
           <p:cNvSpPr/>
           <p:nvPr/>
         </p:nvSpPr>
         <p:spPr>
           <a:xfrm>
-            <a:off x="2592528" y="3649359"/>
+            <a:off x="2590799" y="4637107"/>
             <a:ext cx="1093635" cy="236841"/>
           </a:xfrm>
           <a:prstGeom prst="rect">
@@ -3925,7 +3925,7 @@
                   </a:schemeClr>
                 </a:solidFill>
               </a:rPr>
-              <a:t>BrowserPanel</a:t>
+              <a:t>StatusBarFooter</a:t>
             </a:r>
             <a:endParaRPr lang="en-SG" sz="1050" b="1" dirty="0">
               <a:solidFill>
@@ -3939,13 +3939,13 @@
       </p:sp>
       <p:sp>
         <p:nvSpPr>
-          <p:cNvPr id="35" name="Rectangle 11"/>
+          <p:cNvPr id="36" name="Rectangle 11"/>
           <p:cNvSpPr/>
           <p:nvPr/>
         </p:nvSpPr>
         <p:spPr>
           <a:xfrm>
-            <a:off x="2592527" y="4563759"/>
+            <a:off x="2570637" y="4121529"/>
             <a:ext cx="1093635" cy="236841"/>
           </a:xfrm>
           <a:prstGeom prst="rect">
@@ -3985,7 +3985,7 @@
                   </a:schemeClr>
                 </a:solidFill>
               </a:rPr>
-              <a:t>StatusBarFooter</a:t>
+              <a:t>TaskListPanel</a:t>
             </a:r>
             <a:endParaRPr lang="en-SG" sz="1050" b="1" dirty="0">
               <a:solidFill>
@@ -3999,14 +3999,14 @@
       </p:sp>
       <p:sp>
         <p:nvSpPr>
-          <p:cNvPr id="36" name="Rectangle 11"/>
+          <p:cNvPr id="37" name="Rectangle 11"/>
           <p:cNvSpPr/>
           <p:nvPr/>
         </p:nvSpPr>
         <p:spPr>
           <a:xfrm>
-            <a:off x="2592526" y="3991960"/>
-            <a:ext cx="1093635" cy="236841"/>
+            <a:off x="3990539" y="4369717"/>
+            <a:ext cx="1040906" cy="236841"/>
           </a:xfrm>
           <a:prstGeom prst="rect">
             <a:avLst/>
@@ -4045,69 +4045,9 @@
                   </a:schemeClr>
                 </a:solidFill>
               </a:rPr>
-              <a:t>PersonListPanel</a:t>
-            </a:r>
-            <a:endParaRPr lang="en-SG" sz="1050" b="1" dirty="0">
-              <a:solidFill>
-                <a:schemeClr val="accent3">
-                  <a:lumMod val="75000"/>
-                </a:schemeClr>
-              </a:solidFill>
-            </a:endParaRPr>
-          </a:p>
-        </p:txBody>
-      </p:sp>
-      <p:sp>
-        <p:nvSpPr>
-          <p:cNvPr id="37" name="Rectangle 11"/>
-          <p:cNvSpPr/>
-          <p:nvPr/>
-        </p:nvSpPr>
-        <p:spPr>
-          <a:xfrm>
-            <a:off x="3839323" y="4228801"/>
-            <a:ext cx="1040906" cy="236841"/>
-          </a:xfrm>
-          <a:prstGeom prst="rect">
-            <a:avLst/>
-          </a:prstGeom>
-          <a:ln w="19050">
-            <a:solidFill>
-              <a:schemeClr val="accent3"/>
-            </a:solidFill>
-          </a:ln>
-          <a:effectLst/>
-        </p:spPr>
-        <p:style>
-          <a:lnRef idx="1">
-            <a:schemeClr val="accent3"/>
-          </a:lnRef>
-          <a:fillRef idx="2">
-            <a:schemeClr val="accent3"/>
-          </a:fillRef>
-          <a:effectRef idx="1">
-            <a:schemeClr val="accent3"/>
-          </a:effectRef>
-          <a:fontRef idx="minor">
-            <a:schemeClr val="dk1"/>
-          </a:fontRef>
-        </p:style>
-        <p:txBody>
-          <a:bodyPr rtlCol="0" anchor="ctr"/>
-          <a:lstStyle/>
-          <a:p>
-            <a:pPr algn="ctr"/>
-            <a:r>
-              <a:rPr lang="en-US" sz="1050" b="1" dirty="0" err="1">
-                <a:solidFill>
-                  <a:schemeClr val="accent3">
-                    <a:lumMod val="75000"/>
-                  </a:schemeClr>
-                </a:solidFill>
-              </a:rPr>
-              <a:t>PersonCard</a:t>
-            </a:r>
-            <a:endParaRPr lang="en-SG" sz="1050" b="1" dirty="0">
+              <a:t>TaskCard</a:t>
+            </a:r>
+            <a:endParaRPr lang="en-US" sz="1050" b="1" dirty="0">
               <a:solidFill>
                 <a:schemeClr val="accent3">
                   <a:lumMod val="75000"/>
@@ -4236,8 +4176,8 @@
         </p:nvCxnSpPr>
         <p:spPr>
           <a:xfrm rot="16200000" flipH="1">
-            <a:off x="2393229" y="2890922"/>
-            <a:ext cx="222196" cy="176402"/>
+            <a:off x="2466559" y="2817592"/>
+            <a:ext cx="72079" cy="172944"/>
           </a:xfrm>
           <a:prstGeom prst="bentConnector2">
             <a:avLst/>
@@ -4274,7 +4214,7 @@
         </p:nvSpPr>
         <p:spPr>
           <a:xfrm>
-            <a:off x="2590799" y="3304308"/>
+            <a:off x="2589070" y="3128766"/>
             <a:ext cx="1095361" cy="236841"/>
           </a:xfrm>
           <a:prstGeom prst="rect">
@@ -4328,47 +4268,6 @@
       </p:sp>
       <p:cxnSp>
         <p:nvCxnSpPr>
-          <p:cNvPr id="44" name="Elbow Connector 63"/>
-          <p:cNvCxnSpPr>
-            <a:stCxn id="39" idx="2"/>
-            <a:endCxn id="34" idx="1"/>
-          </p:cNvCxnSpPr>
-          <p:nvPr/>
-        </p:nvCxnSpPr>
-        <p:spPr>
-          <a:xfrm rot="16200000" flipH="1">
-            <a:off x="2054450" y="3229701"/>
-            <a:ext cx="899755" cy="176402"/>
-          </a:xfrm>
-          <a:prstGeom prst="bentConnector2">
-            <a:avLst/>
-          </a:prstGeom>
-          <a:ln w="19050">
-            <a:solidFill>
-              <a:schemeClr val="accent3"/>
-            </a:solidFill>
-            <a:headEnd type="none" w="med" len="med"/>
-            <a:tailEnd type="arrow" w="med" len="med"/>
-          </a:ln>
-          <a:effectLst/>
-        </p:spPr>
-        <p:style>
-          <a:lnRef idx="1">
-            <a:schemeClr val="accent2"/>
-          </a:lnRef>
-          <a:fillRef idx="2">
-            <a:schemeClr val="accent2"/>
-          </a:fillRef>
-          <a:effectRef idx="1">
-            <a:schemeClr val="accent2"/>
-          </a:effectRef>
-          <a:fontRef idx="minor">
-            <a:schemeClr val="dk1"/>
-          </a:fontRef>
-        </p:style>
-      </p:cxnSp>
-      <p:cxnSp>
-        <p:nvCxnSpPr>
           <p:cNvPr id="47" name="Elbow Connector 63"/>
           <p:cNvCxnSpPr>
             <a:stCxn id="39" idx="2"/>
@@ -4378,8 +4277,8 @@
         </p:nvCxnSpPr>
         <p:spPr>
           <a:xfrm rot="16200000" flipH="1">
-            <a:off x="1883148" y="3401003"/>
-            <a:ext cx="1242356" cy="176400"/>
+            <a:off x="1807419" y="3476731"/>
+            <a:ext cx="1371925" cy="154511"/>
           </a:xfrm>
           <a:prstGeom prst="bentConnector2">
             <a:avLst/>
@@ -4419,8 +4318,8 @@
         </p:nvCxnSpPr>
         <p:spPr>
           <a:xfrm rot="16200000" flipH="1">
-            <a:off x="1597249" y="3686901"/>
-            <a:ext cx="1814155" cy="176401"/>
+            <a:off x="1559711" y="3724439"/>
+            <a:ext cx="1887503" cy="174673"/>
           </a:xfrm>
           <a:prstGeom prst="bentConnector2">
             <a:avLst/>
@@ -4497,7 +4396,7 @@
         </p:nvSpPr>
         <p:spPr>
           <a:xfrm>
-            <a:off x="5143948" y="1770924"/>
+            <a:off x="5529969" y="1739454"/>
             <a:ext cx="772043" cy="346760"/>
           </a:xfrm>
           <a:prstGeom prst="rect">
@@ -4579,8 +4478,8 @@
         </p:nvCxnSpPr>
         <p:spPr>
           <a:xfrm flipV="1">
-            <a:off x="3686160" y="2286000"/>
-            <a:ext cx="1843809" cy="1136729"/>
+            <a:off x="3684431" y="2270317"/>
+            <a:ext cx="2231559" cy="976870"/>
           </a:xfrm>
           <a:prstGeom prst="bentConnector2">
             <a:avLst/>
@@ -4620,49 +4519,8 @@
         </p:nvCxnSpPr>
         <p:spPr>
           <a:xfrm rot="5400000">
-            <a:off x="4174488" y="2991741"/>
-            <a:ext cx="2061222" cy="649740"/>
-          </a:xfrm>
-          <a:prstGeom prst="bentConnector2">
-            <a:avLst/>
-          </a:prstGeom>
-          <a:ln w="6350">
-            <a:solidFill>
-              <a:schemeClr val="accent3"/>
-            </a:solidFill>
-            <a:headEnd type="none" w="med" len="med"/>
-            <a:tailEnd type="none" w="med" len="med"/>
-          </a:ln>
-          <a:effectLst/>
-        </p:spPr>
-        <p:style>
-          <a:lnRef idx="1">
-            <a:schemeClr val="accent2"/>
-          </a:lnRef>
-          <a:fillRef idx="2">
-            <a:schemeClr val="accent2"/>
-          </a:fillRef>
-          <a:effectRef idx="1">
-            <a:schemeClr val="accent2"/>
-          </a:effectRef>
-          <a:fontRef idx="minor">
-            <a:schemeClr val="dk1"/>
-          </a:fontRef>
-        </p:style>
-      </p:cxnSp>
-      <p:cxnSp>
-        <p:nvCxnSpPr>
-          <p:cNvPr id="82" name="Elbow Connector 63"/>
-          <p:cNvCxnSpPr>
-            <a:stCxn id="16" idx="3"/>
-            <a:endCxn id="34" idx="3"/>
-          </p:cNvCxnSpPr>
-          <p:nvPr/>
-        </p:nvCxnSpPr>
-        <p:spPr>
-          <a:xfrm rot="5400000">
-            <a:off x="3867176" y="2104987"/>
-            <a:ext cx="1481780" cy="1843806"/>
+            <a:off x="4364808" y="2936955"/>
+            <a:ext cx="2217821" cy="884545"/>
           </a:xfrm>
           <a:prstGeom prst="bentConnector2">
             <a:avLst/>
@@ -4702,8 +4560,8 @@
         </p:nvCxnSpPr>
         <p:spPr>
           <a:xfrm flipV="1">
-            <a:off x="3189583" y="2286000"/>
-            <a:ext cx="2340386" cy="228600"/>
+            <a:off x="3189583" y="2270317"/>
+            <a:ext cx="2726407" cy="244283"/>
           </a:xfrm>
           <a:prstGeom prst="bentConnector2">
             <a:avLst/>
@@ -4743,8 +4601,8 @@
         </p:nvCxnSpPr>
         <p:spPr>
           <a:xfrm rot="5400000">
-            <a:off x="3409976" y="2562187"/>
-            <a:ext cx="2396180" cy="1843807"/>
+            <a:off x="3557607" y="2397144"/>
+            <a:ext cx="2485211" cy="2231556"/>
           </a:xfrm>
           <a:prstGeom prst="bentConnector2">
             <a:avLst/>
@@ -4784,8 +4642,8 @@
         </p:nvCxnSpPr>
         <p:spPr>
           <a:xfrm rot="5400000">
-            <a:off x="3208856" y="2763307"/>
-            <a:ext cx="2798421" cy="1843806"/>
+            <a:off x="3394025" y="2562456"/>
+            <a:ext cx="2814104" cy="2229827"/>
           </a:xfrm>
           <a:prstGeom prst="bentConnector2">
             <a:avLst/>
@@ -5086,8 +4944,8 @@
         </p:nvCxnSpPr>
         <p:spPr>
           <a:xfrm rot="16200000" flipH="1">
-            <a:off x="2226110" y="3058040"/>
-            <a:ext cx="554704" cy="174673"/>
+            <a:off x="2313017" y="2971134"/>
+            <a:ext cx="379162" cy="172944"/>
           </a:xfrm>
           <a:prstGeom prst="bentConnector2">
             <a:avLst/>
@@ -5127,8 +4985,8 @@
         </p:nvCxnSpPr>
         <p:spPr>
           <a:xfrm rot="5400000">
-            <a:off x="4205956" y="1766207"/>
-            <a:ext cx="804221" cy="1843806"/>
+            <a:off x="4464455" y="1488568"/>
+            <a:ext cx="669787" cy="2233285"/>
           </a:xfrm>
           <a:prstGeom prst="bentConnector2">
             <a:avLst/>
@@ -5168,8 +5026,8 @@
         </p:nvCxnSpPr>
         <p:spPr>
           <a:xfrm rot="16200000" flipH="1">
-            <a:off x="3430123" y="3938021"/>
-            <a:ext cx="118421" cy="699979"/>
+            <a:off x="3489113" y="3986712"/>
+            <a:ext cx="129768" cy="873084"/>
           </a:xfrm>
           <a:prstGeom prst="bentConnector2">
             <a:avLst/>
@@ -5209,8 +5067,8 @@
         </p:nvCxnSpPr>
         <p:spPr>
           <a:xfrm rot="5400000">
-            <a:off x="3695875" y="2276286"/>
-            <a:ext cx="1824381" cy="1843808"/>
+            <a:off x="3805315" y="2129274"/>
+            <a:ext cx="1969633" cy="2251718"/>
           </a:xfrm>
           <a:prstGeom prst="bentConnector2">
             <a:avLst/>
@@ -5300,8 +5158,8 @@
         </p:nvSpPr>
         <p:spPr>
           <a:xfrm>
-            <a:off x="3687515" y="2828802"/>
-            <a:ext cx="3048000" cy="203200"/>
+            <a:off x="3357291" y="2639632"/>
+            <a:ext cx="3348308" cy="182050"/>
           </a:xfrm>
           <a:custGeom>
             <a:avLst/>
@@ -5435,8 +5293,8 @@
         </p:nvSpPr>
         <p:spPr>
           <a:xfrm flipV="1">
-            <a:off x="4114799" y="4472708"/>
-            <a:ext cx="2642195" cy="101600"/>
+            <a:off x="4892934" y="4614719"/>
+            <a:ext cx="1848547" cy="86171"/>
           </a:xfrm>
           <a:custGeom>
             <a:avLst/>
@@ -5509,6 +5367,381 @@
           </a:p>
         </p:txBody>
       </p:sp>
+      <p:sp>
+        <p:nvSpPr>
+          <p:cNvPr id="61" name="Rectangle 11"/>
+          <p:cNvSpPr/>
+          <p:nvPr/>
+        </p:nvSpPr>
+        <p:spPr>
+          <a:xfrm>
+            <a:off x="3330612" y="3785231"/>
+            <a:ext cx="1248139" cy="236841"/>
+          </a:xfrm>
+          <a:prstGeom prst="rect">
+            <a:avLst/>
+          </a:prstGeom>
+          <a:ln w="19050">
+            <a:solidFill>
+              <a:schemeClr val="accent3"/>
+            </a:solidFill>
+          </a:ln>
+          <a:effectLst/>
+        </p:spPr>
+        <p:style>
+          <a:lnRef idx="1">
+            <a:schemeClr val="accent3"/>
+          </a:lnRef>
+          <a:fillRef idx="2">
+            <a:schemeClr val="accent3"/>
+          </a:fillRef>
+          <a:effectRef idx="1">
+            <a:schemeClr val="accent3"/>
+          </a:effectRef>
+          <a:fontRef idx="minor">
+            <a:schemeClr val="dk1"/>
+          </a:fontRef>
+        </p:style>
+        <p:txBody>
+          <a:bodyPr rtlCol="0" anchor="ctr"/>
+          <a:lstStyle/>
+          <a:p>
+            <a:pPr algn="ctr"/>
+            <a:r>
+              <a:rPr lang="en-US" sz="1050" b="1" dirty="0" err="1">
+                <a:solidFill>
+                  <a:schemeClr val="accent3">
+                    <a:lumMod val="75000"/>
+                  </a:schemeClr>
+                </a:solidFill>
+              </a:rPr>
+              <a:t>CompletedTaskList</a:t>
+            </a:r>
+            <a:endParaRPr lang="en-SG" sz="1050" b="1" dirty="0">
+              <a:solidFill>
+                <a:schemeClr val="accent3">
+                  <a:lumMod val="75000"/>
+                </a:schemeClr>
+              </a:solidFill>
+            </a:endParaRPr>
+          </a:p>
+        </p:txBody>
+      </p:sp>
+      <p:sp>
+        <p:nvSpPr>
+          <p:cNvPr id="78" name="Rectangle 11"/>
+          <p:cNvSpPr/>
+          <p:nvPr/>
+        </p:nvSpPr>
+        <p:spPr>
+          <a:xfrm>
+            <a:off x="4303760" y="3448933"/>
+            <a:ext cx="1248139" cy="236841"/>
+          </a:xfrm>
+          <a:prstGeom prst="rect">
+            <a:avLst/>
+          </a:prstGeom>
+          <a:ln w="19050">
+            <a:solidFill>
+              <a:schemeClr val="accent3"/>
+            </a:solidFill>
+          </a:ln>
+          <a:effectLst/>
+        </p:spPr>
+        <p:style>
+          <a:lnRef idx="1">
+            <a:schemeClr val="accent3"/>
+          </a:lnRef>
+          <a:fillRef idx="2">
+            <a:schemeClr val="accent3"/>
+          </a:fillRef>
+          <a:effectRef idx="1">
+            <a:schemeClr val="accent3"/>
+          </a:effectRef>
+          <a:fontRef idx="minor">
+            <a:schemeClr val="dk1"/>
+          </a:fontRef>
+        </p:style>
+        <p:txBody>
+          <a:bodyPr rtlCol="0" anchor="ctr"/>
+          <a:lstStyle/>
+          <a:p>
+            <a:pPr algn="ctr"/>
+            <a:r>
+              <a:rPr lang="en-US" sz="1050" b="1" dirty="0" err="1">
+                <a:solidFill>
+                  <a:schemeClr val="accent3">
+                    <a:lumMod val="75000"/>
+                  </a:schemeClr>
+                </a:solidFill>
+              </a:rPr>
+              <a:t>OverdueListPanel</a:t>
+            </a:r>
+            <a:endParaRPr lang="en-SG" sz="1050" b="1" dirty="0">
+              <a:solidFill>
+                <a:schemeClr val="accent3">
+                  <a:lumMod val="75000"/>
+                </a:schemeClr>
+              </a:solidFill>
+            </a:endParaRPr>
+          </a:p>
+        </p:txBody>
+      </p:sp>
+      <p:cxnSp>
+        <p:nvCxnSpPr>
+          <p:cNvPr id="79" name="Elbow Connector 130"/>
+          <p:cNvCxnSpPr>
+            <a:cxnSpLocks/>
+            <a:stCxn id="39" idx="2"/>
+            <a:endCxn id="61" idx="1"/>
+          </p:cNvCxnSpPr>
+          <p:nvPr/>
+        </p:nvCxnSpPr>
+        <p:spPr>
+          <a:xfrm rot="16200000" flipH="1">
+            <a:off x="2355556" y="2928595"/>
+            <a:ext cx="1035627" cy="914486"/>
+          </a:xfrm>
+          <a:prstGeom prst="bentConnector2">
+            <a:avLst/>
+          </a:prstGeom>
+          <a:ln w="19050">
+            <a:solidFill>
+              <a:schemeClr val="accent3"/>
+            </a:solidFill>
+            <a:headEnd type="none" w="med" len="med"/>
+            <a:tailEnd type="arrow" w="med" len="med"/>
+          </a:ln>
+          <a:effectLst/>
+        </p:spPr>
+        <p:style>
+          <a:lnRef idx="1">
+            <a:schemeClr val="accent2"/>
+          </a:lnRef>
+          <a:fillRef idx="2">
+            <a:schemeClr val="accent2"/>
+          </a:fillRef>
+          <a:effectRef idx="1">
+            <a:schemeClr val="accent2"/>
+          </a:effectRef>
+          <a:fontRef idx="minor">
+            <a:schemeClr val="dk1"/>
+          </a:fontRef>
+        </p:style>
+      </p:cxnSp>
+      <p:cxnSp>
+        <p:nvCxnSpPr>
+          <p:cNvPr id="81" name="Elbow Connector 130"/>
+          <p:cNvCxnSpPr>
+            <a:cxnSpLocks/>
+            <a:stCxn id="39" idx="2"/>
+            <a:endCxn id="78" idx="1"/>
+          </p:cNvCxnSpPr>
+          <p:nvPr/>
+        </p:nvCxnSpPr>
+        <p:spPr>
+          <a:xfrm rot="16200000" flipH="1">
+            <a:off x="3010279" y="2273872"/>
+            <a:ext cx="699329" cy="1887634"/>
+          </a:xfrm>
+          <a:prstGeom prst="bentConnector2">
+            <a:avLst/>
+          </a:prstGeom>
+          <a:ln w="19050">
+            <a:solidFill>
+              <a:schemeClr val="accent3"/>
+            </a:solidFill>
+            <a:headEnd type="none" w="med" len="med"/>
+            <a:tailEnd type="arrow" w="med" len="med"/>
+          </a:ln>
+          <a:effectLst/>
+        </p:spPr>
+        <p:style>
+          <a:lnRef idx="1">
+            <a:schemeClr val="accent2"/>
+          </a:lnRef>
+          <a:fillRef idx="2">
+            <a:schemeClr val="accent2"/>
+          </a:fillRef>
+          <a:effectRef idx="1">
+            <a:schemeClr val="accent2"/>
+          </a:effectRef>
+          <a:fontRef idx="minor">
+            <a:schemeClr val="dk1"/>
+          </a:fontRef>
+        </p:style>
+      </p:cxnSp>
+      <p:cxnSp>
+        <p:nvCxnSpPr>
+          <p:cNvPr id="84" name="Elbow Connector 130"/>
+          <p:cNvCxnSpPr>
+            <a:cxnSpLocks/>
+            <a:stCxn id="61" idx="2"/>
+            <a:endCxn id="37" idx="0"/>
+          </p:cNvCxnSpPr>
+          <p:nvPr/>
+        </p:nvCxnSpPr>
+        <p:spPr>
+          <a:xfrm rot="16200000" flipH="1">
+            <a:off x="4059015" y="3917739"/>
+            <a:ext cx="347645" cy="556310"/>
+          </a:xfrm>
+          <a:prstGeom prst="bentConnector3">
+            <a:avLst>
+              <a:gd name="adj1" fmla="val 50000"/>
+            </a:avLst>
+          </a:prstGeom>
+          <a:ln w="19050">
+            <a:solidFill>
+              <a:schemeClr val="accent3"/>
+            </a:solidFill>
+            <a:headEnd type="none" w="med" len="med"/>
+            <a:tailEnd type="arrow" w="med" len="med"/>
+          </a:ln>
+          <a:effectLst/>
+        </p:spPr>
+        <p:style>
+          <a:lnRef idx="1">
+            <a:schemeClr val="accent2"/>
+          </a:lnRef>
+          <a:fillRef idx="2">
+            <a:schemeClr val="accent2"/>
+          </a:fillRef>
+          <a:effectRef idx="1">
+            <a:schemeClr val="accent2"/>
+          </a:effectRef>
+          <a:fontRef idx="minor">
+            <a:schemeClr val="dk1"/>
+          </a:fontRef>
+        </p:style>
+      </p:cxnSp>
+      <p:cxnSp>
+        <p:nvCxnSpPr>
+          <p:cNvPr id="87" name="Elbow Connector 130"/>
+          <p:cNvCxnSpPr>
+            <a:cxnSpLocks/>
+            <a:stCxn id="78" idx="2"/>
+          </p:cNvCxnSpPr>
+          <p:nvPr/>
+        </p:nvCxnSpPr>
+        <p:spPr>
+          <a:xfrm rot="5400000">
+            <a:off x="4534662" y="3979242"/>
+            <a:ext cx="686636" cy="99700"/>
+          </a:xfrm>
+          <a:prstGeom prst="bentConnector3">
+            <a:avLst>
+              <a:gd name="adj1" fmla="val 50000"/>
+            </a:avLst>
+          </a:prstGeom>
+          <a:ln w="19050">
+            <a:solidFill>
+              <a:schemeClr val="accent3"/>
+            </a:solidFill>
+            <a:headEnd type="none" w="med" len="med"/>
+            <a:tailEnd type="arrow" w="med" len="med"/>
+          </a:ln>
+          <a:effectLst/>
+        </p:spPr>
+        <p:style>
+          <a:lnRef idx="1">
+            <a:schemeClr val="accent2"/>
+          </a:lnRef>
+          <a:fillRef idx="2">
+            <a:schemeClr val="accent2"/>
+          </a:fillRef>
+          <a:effectRef idx="1">
+            <a:schemeClr val="accent2"/>
+          </a:effectRef>
+          <a:fontRef idx="minor">
+            <a:schemeClr val="dk1"/>
+          </a:fontRef>
+        </p:style>
+      </p:cxnSp>
+      <p:cxnSp>
+        <p:nvCxnSpPr>
+          <p:cNvPr id="122" name="Elbow Connector 63"/>
+          <p:cNvCxnSpPr>
+            <a:cxnSpLocks/>
+            <a:stCxn id="16" idx="3"/>
+            <a:endCxn id="61" idx="3"/>
+          </p:cNvCxnSpPr>
+          <p:nvPr/>
+        </p:nvCxnSpPr>
+        <p:spPr>
+          <a:xfrm rot="5400000">
+            <a:off x="4430704" y="2418365"/>
+            <a:ext cx="1633335" cy="1337239"/>
+          </a:xfrm>
+          <a:prstGeom prst="bentConnector2">
+            <a:avLst/>
+          </a:prstGeom>
+          <a:ln w="6350">
+            <a:solidFill>
+              <a:schemeClr val="accent3"/>
+            </a:solidFill>
+            <a:headEnd type="none" w="med" len="med"/>
+            <a:tailEnd type="none" w="med" len="med"/>
+          </a:ln>
+          <a:effectLst/>
+        </p:spPr>
+        <p:style>
+          <a:lnRef idx="1">
+            <a:schemeClr val="accent2"/>
+          </a:lnRef>
+          <a:fillRef idx="2">
+            <a:schemeClr val="accent2"/>
+          </a:fillRef>
+          <a:effectRef idx="1">
+            <a:schemeClr val="accent2"/>
+          </a:effectRef>
+          <a:fontRef idx="minor">
+            <a:schemeClr val="dk1"/>
+          </a:fontRef>
+        </p:style>
+      </p:cxnSp>
+      <p:cxnSp>
+        <p:nvCxnSpPr>
+          <p:cNvPr id="123" name="Elbow Connector 63"/>
+          <p:cNvCxnSpPr>
+            <a:cxnSpLocks/>
+            <a:stCxn id="16" idx="3"/>
+            <a:endCxn id="78" idx="3"/>
+          </p:cNvCxnSpPr>
+          <p:nvPr/>
+        </p:nvCxnSpPr>
+        <p:spPr>
+          <a:xfrm rot="5400000">
+            <a:off x="5085427" y="2736790"/>
+            <a:ext cx="1297037" cy="364091"/>
+          </a:xfrm>
+          <a:prstGeom prst="bentConnector2">
+            <a:avLst/>
+          </a:prstGeom>
+          <a:ln w="6350">
+            <a:solidFill>
+              <a:schemeClr val="accent3"/>
+            </a:solidFill>
+            <a:headEnd type="none" w="med" len="med"/>
+            <a:tailEnd type="none" w="med" len="med"/>
+          </a:ln>
+          <a:effectLst/>
+        </p:spPr>
+        <p:style>
+          <a:lnRef idx="1">
+            <a:schemeClr val="accent2"/>
+          </a:lnRef>
+          <a:fillRef idx="2">
+            <a:schemeClr val="accent2"/>
+          </a:fillRef>
+          <a:effectRef idx="1">
+            <a:schemeClr val="accent2"/>
+          </a:effectRef>
+          <a:fontRef idx="minor">
+            <a:schemeClr val="dk1"/>
+          </a:fontRef>
+        </p:style>
+      </p:cxnSp>
     </p:spTree>
     <p:extLst>
       <p:ext uri="{BB962C8B-B14F-4D97-AF65-F5344CB8AC3E}">
